--- a/documentation/slides/PresentationMar14.pptx
+++ b/documentation/slides/PresentationMar14.pptx
@@ -810,7 +810,7 @@
       </p:grpSpPr>
       <p:sp>
         <p:nvSpPr>
-          <p:cNvPr id="137" name="Google Shape;137;g51e875a00b_0_0:notes"/>
+          <p:cNvPr id="137" name="Google Shape;137;g5218d689bc_1_0:notes"/>
           <p:cNvSpPr/>
           <p:nvPr>
             <p:ph idx="2" type="sldImg"/>
@@ -845,7 +845,7 @@
       </p:sp>
       <p:sp>
         <p:nvSpPr>
-          <p:cNvPr id="138" name="Google Shape;138;g51e875a00b_0_0:notes"/>
+          <p:cNvPr id="138" name="Google Shape;138;g5218d689bc_1_0:notes"/>
           <p:cNvSpPr txBox="1"/>
           <p:nvPr>
             <p:ph idx="1" type="body"/>
@@ -909,7 +909,7 @@
       </p:grpSpPr>
       <p:sp>
         <p:nvSpPr>
-          <p:cNvPr id="144" name="Google Shape;144;g5218d689bc_1_0:notes"/>
+          <p:cNvPr id="144" name="Google Shape;144;g51e875a00b_0_6:notes"/>
           <p:cNvSpPr/>
           <p:nvPr>
             <p:ph idx="2" type="sldImg"/>
@@ -944,7 +944,7 @@
       </p:sp>
       <p:sp>
         <p:nvSpPr>
-          <p:cNvPr id="145" name="Google Shape;145;g5218d689bc_1_0:notes"/>
+          <p:cNvPr id="145" name="Google Shape;145;g51e875a00b_0_6:notes"/>
           <p:cNvSpPr txBox="1"/>
           <p:nvPr>
             <p:ph idx="1" type="body"/>
@@ -994,7 +994,7 @@
   <p:cSld>
     <p:spTree>
       <p:nvGrpSpPr>
-        <p:cNvPr id="150" name="Shape 150"/>
+        <p:cNvPr id="151" name="Shape 151"/>
         <p:cNvGrpSpPr/>
         <p:nvPr/>
       </p:nvGrpSpPr>
@@ -1008,7 +1008,7 @@
       </p:grpSpPr>
       <p:sp>
         <p:nvSpPr>
-          <p:cNvPr id="151" name="Google Shape;151;g51e875a00b_0_6:notes"/>
+          <p:cNvPr id="152" name="Google Shape;152;g527b72edb2_0_4:notes"/>
           <p:cNvSpPr/>
           <p:nvPr>
             <p:ph idx="2" type="sldImg"/>
@@ -1043,7 +1043,7 @@
       </p:sp>
       <p:sp>
         <p:nvSpPr>
-          <p:cNvPr id="152" name="Google Shape;152;g51e875a00b_0_6:notes"/>
+          <p:cNvPr id="153" name="Google Shape;153;g527b72edb2_0_4:notes"/>
           <p:cNvSpPr txBox="1"/>
           <p:nvPr>
             <p:ph idx="1" type="body"/>
@@ -1093,7 +1093,7 @@
   <p:cSld>
     <p:spTree>
       <p:nvGrpSpPr>
-        <p:cNvPr id="158" name="Shape 158"/>
+        <p:cNvPr id="160" name="Shape 160"/>
         <p:cNvGrpSpPr/>
         <p:nvPr/>
       </p:nvGrpSpPr>
@@ -1107,7 +1107,7 @@
       </p:grpSpPr>
       <p:sp>
         <p:nvSpPr>
-          <p:cNvPr id="159" name="Google Shape;159;g527b72edb2_0_4:notes"/>
+          <p:cNvPr id="161" name="Google Shape;161;g51e875a00b_0_11:notes"/>
           <p:cNvSpPr/>
           <p:nvPr>
             <p:ph idx="2" type="sldImg"/>
@@ -1142,7 +1142,7 @@
       </p:sp>
       <p:sp>
         <p:nvSpPr>
-          <p:cNvPr id="160" name="Google Shape;160;g527b72edb2_0_4:notes"/>
+          <p:cNvPr id="162" name="Google Shape;162;g51e875a00b_0_11:notes"/>
           <p:cNvSpPr txBox="1"/>
           <p:nvPr>
             <p:ph idx="1" type="body"/>
@@ -1192,7 +1192,7 @@
   <p:cSld>
     <p:spTree>
       <p:nvGrpSpPr>
-        <p:cNvPr id="167" name="Shape 167"/>
+        <p:cNvPr id="168" name="Shape 168"/>
         <p:cNvGrpSpPr/>
         <p:nvPr/>
       </p:nvGrpSpPr>
@@ -1206,7 +1206,7 @@
       </p:grpSpPr>
       <p:sp>
         <p:nvSpPr>
-          <p:cNvPr id="168" name="Google Shape;168;g51e875a00b_0_11:notes"/>
+          <p:cNvPr id="169" name="Google Shape;169;g51e875a00b_0_21:notes"/>
           <p:cNvSpPr/>
           <p:nvPr>
             <p:ph idx="2" type="sldImg"/>
@@ -1241,7 +1241,7 @@
       </p:sp>
       <p:sp>
         <p:nvSpPr>
-          <p:cNvPr id="169" name="Google Shape;169;g51e875a00b_0_11:notes"/>
+          <p:cNvPr id="170" name="Google Shape;170;g51e875a00b_0_21:notes"/>
           <p:cNvSpPr txBox="1"/>
           <p:nvPr>
             <p:ph idx="1" type="body"/>
@@ -1305,7 +1305,7 @@
       </p:grpSpPr>
       <p:sp>
         <p:nvSpPr>
-          <p:cNvPr id="176" name="Google Shape;176;g51e875a00b_0_21:notes"/>
+          <p:cNvPr id="176" name="Google Shape;176;g52a523aaa4_0_0:notes"/>
           <p:cNvSpPr/>
           <p:nvPr>
             <p:ph idx="2" type="sldImg"/>
@@ -1340,7 +1340,7 @@
       </p:sp>
       <p:sp>
         <p:nvSpPr>
-          <p:cNvPr id="177" name="Google Shape;177;g51e875a00b_0_21:notes"/>
+          <p:cNvPr id="177" name="Google Shape;177;g52a523aaa4_0_0:notes"/>
           <p:cNvSpPr txBox="1"/>
           <p:nvPr>
             <p:ph idx="1" type="body"/>
@@ -1371,7 +1371,8 @@
               <a:buNone/>
             </a:pPr>
             <a:r>
-              <a:t/>
+              <a:rPr lang="en"/>
+              <a:t>Logan</a:t>
             </a:r>
             <a:endParaRPr/>
           </a:p>
@@ -9872,8 +9873,8 @@
         </p:nvSpPr>
         <p:spPr>
           <a:xfrm>
-            <a:off x="1297500" y="393750"/>
-            <a:ext cx="7038900" cy="914100"/>
+            <a:off x="2447650" y="652200"/>
+            <a:ext cx="4808100" cy="655500"/>
           </a:xfrm>
           <a:prstGeom prst="rect">
             <a:avLst/>
@@ -9895,8 +9896,7 @@
               <a:buNone/>
             </a:pPr>
             <a:r>
-              <a:rPr lang="en"/>
-              <a:t>Spring break updates:</a:t>
+              <a:t/>
             </a:r>
             <a:endParaRPr/>
           </a:p>
@@ -9912,8 +9912,8 @@
         </p:nvSpPr>
         <p:spPr>
           <a:xfrm>
-            <a:off x="800950" y="1612025"/>
-            <a:ext cx="3623700" cy="2911200"/>
+            <a:off x="2267875" y="1912125"/>
+            <a:ext cx="5082900" cy="2700000"/>
           </a:xfrm>
           <a:prstGeom prst="rect">
             <a:avLst/>
@@ -9930,70 +9930,6 @@
                 <a:spcPts val="0"/>
               </a:spcBef>
               <a:spcAft>
-                <a:spcPts val="0"/>
-              </a:spcAft>
-              <a:buNone/>
-            </a:pPr>
-            <a:r>
-              <a:rPr b="1" lang="en" u="sng"/>
-              <a:t>The Good News:</a:t>
-            </a:r>
-            <a:endParaRPr b="1" u="sng"/>
-          </a:p>
-          <a:p>
-            <a:pPr indent="0" lvl="0" marL="0" rtl="0" algn="l">
-              <a:spcBef>
-                <a:spcPts val="1600"/>
-              </a:spcBef>
-              <a:spcAft>
-                <a:spcPts val="0"/>
-              </a:spcAft>
-              <a:buNone/>
-            </a:pPr>
-            <a:r>
-              <a:rPr lang="en"/>
-              <a:t>User management repairs</a:t>
-            </a:r>
-            <a:endParaRPr/>
-          </a:p>
-          <a:p>
-            <a:pPr indent="0" lvl="0" marL="0" rtl="0" algn="l">
-              <a:spcBef>
-                <a:spcPts val="1600"/>
-              </a:spcBef>
-              <a:spcAft>
-                <a:spcPts val="0"/>
-              </a:spcAft>
-              <a:buNone/>
-            </a:pPr>
-            <a:r>
-              <a:rPr lang="en"/>
-              <a:t>The Return of the Admin</a:t>
-            </a:r>
-            <a:endParaRPr/>
-          </a:p>
-          <a:p>
-            <a:pPr indent="0" lvl="0" marL="0" rtl="0" algn="l">
-              <a:spcBef>
-                <a:spcPts val="1600"/>
-              </a:spcBef>
-              <a:spcAft>
-                <a:spcPts val="0"/>
-              </a:spcAft>
-              <a:buNone/>
-            </a:pPr>
-            <a:r>
-              <a:rPr lang="en"/>
-              <a:t>Functioning Plotly Graphs</a:t>
-            </a:r>
-            <a:endParaRPr/>
-          </a:p>
-          <a:p>
-            <a:pPr indent="0" lvl="0" marL="0" rtl="0" algn="l">
-              <a:spcBef>
-                <a:spcPts val="1600"/>
-              </a:spcBef>
-              <a:spcAft>
                 <a:spcPts val="1600"/>
               </a:spcAft>
               <a:buNone/>
@@ -10005,92 +9941,36 @@
           </a:p>
         </p:txBody>
       </p:sp>
-      <p:sp>
-        <p:nvSpPr>
-          <p:cNvPr id="142" name="Google Shape;142;p14"/>
-          <p:cNvSpPr txBox="1"/>
-          <p:nvPr>
-            <p:ph idx="1" type="body"/>
-          </p:nvPr>
-        </p:nvSpPr>
+      <p:pic>
+        <p:nvPicPr>
+          <p:cNvPr id="142" name="Google Shape;142;p14" title="vlc-record-2019-03-12-13h16m12s-massmine_demo.mp4">
+            <a:hlinkClick r:id="rId3"/>
+          </p:cNvPr>
+          <p:cNvPicPr preferRelativeResize="0"/>
+          <p:nvPr/>
+        </p:nvPicPr>
+        <p:blipFill>
+          <a:blip r:embed="rId4">
+            <a:alphaModFix/>
+          </a:blip>
+          <a:stretch>
+            <a:fillRect/>
+          </a:stretch>
+        </p:blipFill>
         <p:spPr>
           <a:xfrm>
-            <a:off x="4940650" y="1490200"/>
-            <a:ext cx="3623700" cy="2911200"/>
+            <a:off x="1768800" y="244575"/>
+            <a:ext cx="6047275" cy="4535475"/>
           </a:xfrm>
           <a:prstGeom prst="rect">
             <a:avLst/>
           </a:prstGeom>
+          <a:noFill/>
+          <a:ln>
+            <a:noFill/>
+          </a:ln>
         </p:spPr>
-        <p:txBody>
-          <a:bodyPr anchorCtr="0" anchor="t" bIns="91425" lIns="91425" spcFirstLastPara="1" rIns="91425" wrap="square" tIns="91425">
-            <a:noAutofit/>
-          </a:bodyPr>
-          <a:lstStyle/>
-          <a:p>
-            <a:pPr indent="0" lvl="0" marL="0" rtl="0" algn="l">
-              <a:spcBef>
-                <a:spcPts val="0"/>
-              </a:spcBef>
-              <a:spcAft>
-                <a:spcPts val="0"/>
-              </a:spcAft>
-              <a:buNone/>
-            </a:pPr>
-            <a:r>
-              <a:rPr b="1" lang="en" u="sng"/>
-              <a:t>The Bad News:</a:t>
-            </a:r>
-            <a:endParaRPr b="1" u="sng"/>
-          </a:p>
-          <a:p>
-            <a:pPr indent="0" lvl="0" marL="0" rtl="0" algn="l">
-              <a:spcBef>
-                <a:spcPts val="1600"/>
-              </a:spcBef>
-              <a:spcAft>
-                <a:spcPts val="0"/>
-              </a:spcAft>
-              <a:buNone/>
-            </a:pPr>
-            <a:r>
-              <a:rPr lang="en"/>
-              <a:t>Little bit behind schedule, working to catch up</a:t>
-            </a:r>
-            <a:endParaRPr/>
-          </a:p>
-          <a:p>
-            <a:pPr indent="0" lvl="0" marL="0" rtl="0" algn="l">
-              <a:spcBef>
-                <a:spcPts val="1600"/>
-              </a:spcBef>
-              <a:spcAft>
-                <a:spcPts val="0"/>
-              </a:spcAft>
-              <a:buNone/>
-            </a:pPr>
-            <a:r>
-              <a:t/>
-            </a:r>
-            <a:endParaRPr/>
-          </a:p>
-          <a:p>
-            <a:pPr indent="0" lvl="0" marL="0" rtl="0" algn="l">
-              <a:spcBef>
-                <a:spcPts val="1600"/>
-              </a:spcBef>
-              <a:spcAft>
-                <a:spcPts val="1600"/>
-              </a:spcAft>
-              <a:buNone/>
-            </a:pPr>
-            <a:r>
-              <a:t/>
-            </a:r>
-            <a:endParaRPr/>
-          </a:p>
-        </p:txBody>
-      </p:sp>
+      </p:pic>
     </p:spTree>
   </p:cSld>
   <p:clrMapOvr>
@@ -10126,139 +10006,6 @@
         </p:nvSpPr>
         <p:spPr>
           <a:xfrm>
-            <a:off x="2447650" y="652200"/>
-            <a:ext cx="4808100" cy="655500"/>
-          </a:xfrm>
-          <a:prstGeom prst="rect">
-            <a:avLst/>
-          </a:prstGeom>
-        </p:spPr>
-        <p:txBody>
-          <a:bodyPr anchorCtr="0" anchor="t" bIns="91425" lIns="91425" spcFirstLastPara="1" rIns="91425" wrap="square" tIns="91425">
-            <a:noAutofit/>
-          </a:bodyPr>
-          <a:lstStyle/>
-          <a:p>
-            <a:pPr indent="0" lvl="0" marL="0" rtl="0" algn="l">
-              <a:spcBef>
-                <a:spcPts val="0"/>
-              </a:spcBef>
-              <a:spcAft>
-                <a:spcPts val="0"/>
-              </a:spcAft>
-              <a:buNone/>
-            </a:pPr>
-            <a:r>
-              <a:t/>
-            </a:r>
-            <a:endParaRPr/>
-          </a:p>
-        </p:txBody>
-      </p:sp>
-      <p:sp>
-        <p:nvSpPr>
-          <p:cNvPr id="148" name="Google Shape;148;p15"/>
-          <p:cNvSpPr txBox="1"/>
-          <p:nvPr>
-            <p:ph idx="1" type="body"/>
-          </p:nvPr>
-        </p:nvSpPr>
-        <p:spPr>
-          <a:xfrm>
-            <a:off x="2267875" y="1912125"/>
-            <a:ext cx="5082900" cy="2700000"/>
-          </a:xfrm>
-          <a:prstGeom prst="rect">
-            <a:avLst/>
-          </a:prstGeom>
-        </p:spPr>
-        <p:txBody>
-          <a:bodyPr anchorCtr="0" anchor="t" bIns="91425" lIns="91425" spcFirstLastPara="1" rIns="91425" wrap="square" tIns="91425">
-            <a:noAutofit/>
-          </a:bodyPr>
-          <a:lstStyle/>
-          <a:p>
-            <a:pPr indent="0" lvl="0" marL="0" rtl="0" algn="l">
-              <a:spcBef>
-                <a:spcPts val="0"/>
-              </a:spcBef>
-              <a:spcAft>
-                <a:spcPts val="1600"/>
-              </a:spcAft>
-              <a:buNone/>
-            </a:pPr>
-            <a:r>
-              <a:t/>
-            </a:r>
-            <a:endParaRPr/>
-          </a:p>
-        </p:txBody>
-      </p:sp>
-      <p:pic>
-        <p:nvPicPr>
-          <p:cNvPr id="149" name="Google Shape;149;p15" title="vlc-record-2019-03-12-13h16m12s-massmine_demo.mp4">
-            <a:hlinkClick r:id="rId3"/>
-          </p:cNvPr>
-          <p:cNvPicPr preferRelativeResize="0"/>
-          <p:nvPr/>
-        </p:nvPicPr>
-        <p:blipFill>
-          <a:blip r:embed="rId4">
-            <a:alphaModFix/>
-          </a:blip>
-          <a:stretch>
-            <a:fillRect/>
-          </a:stretch>
-        </p:blipFill>
-        <p:spPr>
-          <a:xfrm>
-            <a:off x="1768800" y="244575"/>
-            <a:ext cx="6047275" cy="4535475"/>
-          </a:xfrm>
-          <a:prstGeom prst="rect">
-            <a:avLst/>
-          </a:prstGeom>
-          <a:noFill/>
-          <a:ln>
-            <a:noFill/>
-          </a:ln>
-        </p:spPr>
-      </p:pic>
-    </p:spTree>
-  </p:cSld>
-  <p:clrMapOvr>
-    <a:masterClrMapping/>
-  </p:clrMapOvr>
-</p:sld>
-</file>
-
-<file path=ppt/slides/slide4.xml><?xml version="1.0" encoding="utf-8"?>
-<p:sld xmlns:a="http://schemas.openxmlformats.org/drawingml/2006/main" xmlns:r="http://schemas.openxmlformats.org/officeDocument/2006/relationships" xmlns:mc="http://schemas.openxmlformats.org/markup-compatibility/2006" xmlns:mv="urn:schemas-microsoft-com:mac:vml" xmlns:p="http://schemas.openxmlformats.org/presentationml/2006/main" xmlns:c="http://schemas.openxmlformats.org/drawingml/2006/chart" xmlns:dgm="http://schemas.openxmlformats.org/drawingml/2006/diagram" xmlns:o="urn:schemas-microsoft-com:office:office" xmlns:v="urn:schemas-microsoft-com:vml" xmlns:pvml="urn:schemas-microsoft-com:office:powerpoint" xmlns:com="http://schemas.openxmlformats.org/drawingml/2006/compatibility" xmlns:p14="http://schemas.microsoft.com/office/powerpoint/2010/main" xmlns:p15="http://schemas.microsoft.com/office/powerpoint/2012/main">
-  <p:cSld>
-    <p:spTree>
-      <p:nvGrpSpPr>
-        <p:cNvPr id="153" name="Shape 153"/>
-        <p:cNvGrpSpPr/>
-        <p:nvPr/>
-      </p:nvGrpSpPr>
-      <p:grpSpPr>
-        <a:xfrm>
-          <a:off x="0" y="0"/>
-          <a:ext cx="0" cy="0"/>
-          <a:chOff x="0" y="0"/>
-          <a:chExt cx="0" cy="0"/>
-        </a:xfrm>
-      </p:grpSpPr>
-      <p:sp>
-        <p:nvSpPr>
-          <p:cNvPr id="154" name="Google Shape;154;p16"/>
-          <p:cNvSpPr txBox="1"/>
-          <p:nvPr>
-            <p:ph type="title"/>
-          </p:nvPr>
-        </p:nvSpPr>
-        <p:spPr>
-          <a:xfrm>
             <a:off x="1297500" y="393750"/>
             <a:ext cx="7038900" cy="914100"/>
           </a:xfrm>
@@ -10291,7 +10038,7 @@
       </p:sp>
       <p:sp>
         <p:nvSpPr>
-          <p:cNvPr id="155" name="Google Shape;155;p16"/>
+          <p:cNvPr id="148" name="Google Shape;148;p15"/>
           <p:cNvSpPr txBox="1"/>
           <p:nvPr>
             <p:ph idx="1" type="body"/>
@@ -10362,7 +10109,7 @@
       </p:sp>
       <p:pic>
         <p:nvPicPr>
-          <p:cNvPr id="156" name="Google Shape;156;p16"/>
+          <p:cNvPr id="149" name="Google Shape;149;p15"/>
           <p:cNvPicPr preferRelativeResize="0"/>
           <p:nvPr/>
         </p:nvPicPr>
@@ -10390,7 +10137,7 @@
       </p:pic>
       <p:pic>
         <p:nvPicPr>
-          <p:cNvPr id="157" name="Google Shape;157;p16"/>
+          <p:cNvPr id="150" name="Google Shape;150;p15"/>
           <p:cNvPicPr preferRelativeResize="0"/>
           <p:nvPr/>
         </p:nvPicPr>
@@ -10424,12 +10171,12 @@
 </p:sld>
 </file>
 
-<file path=ppt/slides/slide5.xml><?xml version="1.0" encoding="utf-8"?>
+<file path=ppt/slides/slide4.xml><?xml version="1.0" encoding="utf-8"?>
 <p:sld xmlns:a="http://schemas.openxmlformats.org/drawingml/2006/main" xmlns:r="http://schemas.openxmlformats.org/officeDocument/2006/relationships" xmlns:mc="http://schemas.openxmlformats.org/markup-compatibility/2006" xmlns:mv="urn:schemas-microsoft-com:mac:vml" xmlns:p="http://schemas.openxmlformats.org/presentationml/2006/main" xmlns:c="http://schemas.openxmlformats.org/drawingml/2006/chart" xmlns:dgm="http://schemas.openxmlformats.org/drawingml/2006/diagram" xmlns:o="urn:schemas-microsoft-com:office:office" xmlns:v="urn:schemas-microsoft-com:vml" xmlns:pvml="urn:schemas-microsoft-com:office:powerpoint" xmlns:com="http://schemas.openxmlformats.org/drawingml/2006/compatibility" xmlns:p14="http://schemas.microsoft.com/office/powerpoint/2010/main" xmlns:p15="http://schemas.microsoft.com/office/powerpoint/2012/main">
   <p:cSld>
     <p:spTree>
       <p:nvGrpSpPr>
-        <p:cNvPr id="161" name="Shape 161"/>
+        <p:cNvPr id="154" name="Shape 154"/>
         <p:cNvGrpSpPr/>
         <p:nvPr/>
       </p:nvGrpSpPr>
@@ -10443,7 +10190,7 @@
       </p:grpSpPr>
       <p:sp>
         <p:nvSpPr>
-          <p:cNvPr id="162" name="Google Shape;162;p17"/>
+          <p:cNvPr id="155" name="Google Shape;155;p16"/>
           <p:cNvSpPr txBox="1"/>
           <p:nvPr>
             <p:ph type="title"/>
@@ -10483,7 +10230,7 @@
       </p:sp>
       <p:sp>
         <p:nvSpPr>
-          <p:cNvPr id="163" name="Google Shape;163;p17"/>
+          <p:cNvPr id="156" name="Google Shape;156;p16"/>
           <p:cNvSpPr txBox="1"/>
           <p:nvPr>
             <p:ph idx="1" type="body"/>
@@ -10555,7 +10302,7 @@
       </p:sp>
       <p:pic>
         <p:nvPicPr>
-          <p:cNvPr id="164" name="Google Shape;164;p17"/>
+          <p:cNvPr id="157" name="Google Shape;157;p16"/>
           <p:cNvPicPr preferRelativeResize="0"/>
           <p:nvPr/>
         </p:nvPicPr>
@@ -10583,7 +10330,7 @@
       </p:pic>
       <p:sp>
         <p:nvSpPr>
-          <p:cNvPr id="165" name="Google Shape;165;p17"/>
+          <p:cNvPr id="158" name="Google Shape;158;p16"/>
           <p:cNvSpPr/>
           <p:nvPr/>
         </p:nvSpPr>
@@ -10630,7 +10377,7 @@
       </p:sp>
       <p:pic>
         <p:nvPicPr>
-          <p:cNvPr id="166" name="Google Shape;166;p17"/>
+          <p:cNvPr id="159" name="Google Shape;159;p16"/>
           <p:cNvPicPr preferRelativeResize="0"/>
           <p:nvPr/>
         </p:nvPicPr>
@@ -10664,12 +10411,12 @@
 </p:sld>
 </file>
 
-<file path=ppt/slides/slide6.xml><?xml version="1.0" encoding="utf-8"?>
+<file path=ppt/slides/slide5.xml><?xml version="1.0" encoding="utf-8"?>
 <p:sld xmlns:a="http://schemas.openxmlformats.org/drawingml/2006/main" xmlns:r="http://schemas.openxmlformats.org/officeDocument/2006/relationships" xmlns:mc="http://schemas.openxmlformats.org/markup-compatibility/2006" xmlns:mv="urn:schemas-microsoft-com:mac:vml" xmlns:p="http://schemas.openxmlformats.org/presentationml/2006/main" xmlns:c="http://schemas.openxmlformats.org/drawingml/2006/chart" xmlns:dgm="http://schemas.openxmlformats.org/drawingml/2006/diagram" xmlns:o="urn:schemas-microsoft-com:office:office" xmlns:v="urn:schemas-microsoft-com:vml" xmlns:pvml="urn:schemas-microsoft-com:office:powerpoint" xmlns:com="http://schemas.openxmlformats.org/drawingml/2006/compatibility" xmlns:p14="http://schemas.microsoft.com/office/powerpoint/2010/main" xmlns:p15="http://schemas.microsoft.com/office/powerpoint/2012/main">
   <p:cSld>
     <p:spTree>
       <p:nvGrpSpPr>
-        <p:cNvPr id="170" name="Shape 170"/>
+        <p:cNvPr id="163" name="Shape 163"/>
         <p:cNvGrpSpPr/>
         <p:nvPr/>
       </p:nvGrpSpPr>
@@ -10683,7 +10430,7 @@
       </p:grpSpPr>
       <p:sp>
         <p:nvSpPr>
-          <p:cNvPr id="171" name="Google Shape;171;p18"/>
+          <p:cNvPr id="164" name="Google Shape;164;p17"/>
           <p:cNvSpPr txBox="1"/>
           <p:nvPr>
             <p:ph type="title"/>
@@ -10723,7 +10470,7 @@
       </p:sp>
       <p:sp>
         <p:nvSpPr>
-          <p:cNvPr id="172" name="Google Shape;172;p18"/>
+          <p:cNvPr id="165" name="Google Shape;165;p17"/>
           <p:cNvSpPr txBox="1"/>
           <p:nvPr>
             <p:ph idx="1" type="body"/>
@@ -10847,7 +10594,7 @@
       </p:sp>
       <p:pic>
         <p:nvPicPr>
-          <p:cNvPr id="173" name="Google Shape;173;p18"/>
+          <p:cNvPr id="166" name="Google Shape;166;p17"/>
           <p:cNvPicPr preferRelativeResize="0"/>
           <p:nvPr/>
         </p:nvPicPr>
@@ -10875,7 +10622,7 @@
       </p:pic>
       <p:pic>
         <p:nvPicPr>
-          <p:cNvPr id="174" name="Google Shape;174;p18"/>
+          <p:cNvPr id="167" name="Google Shape;167;p17"/>
           <p:cNvPicPr preferRelativeResize="0"/>
           <p:nvPr/>
         </p:nvPicPr>
@@ -10891,6 +10638,137 @@
           <a:xfrm>
             <a:off x="230775" y="1790678"/>
             <a:ext cx="3576724" cy="2688076"/>
+          </a:xfrm>
+          <a:prstGeom prst="rect">
+            <a:avLst/>
+          </a:prstGeom>
+          <a:noFill/>
+          <a:ln>
+            <a:noFill/>
+          </a:ln>
+        </p:spPr>
+      </p:pic>
+    </p:spTree>
+  </p:cSld>
+  <p:clrMapOvr>
+    <a:masterClrMapping/>
+  </p:clrMapOvr>
+</p:sld>
+</file>
+
+<file path=ppt/slides/slide6.xml><?xml version="1.0" encoding="utf-8"?>
+<p:sld xmlns:a="http://schemas.openxmlformats.org/drawingml/2006/main" xmlns:r="http://schemas.openxmlformats.org/officeDocument/2006/relationships" xmlns:mc="http://schemas.openxmlformats.org/markup-compatibility/2006" xmlns:mv="urn:schemas-microsoft-com:mac:vml" xmlns:p="http://schemas.openxmlformats.org/presentationml/2006/main" xmlns:c="http://schemas.openxmlformats.org/drawingml/2006/chart" xmlns:dgm="http://schemas.openxmlformats.org/drawingml/2006/diagram" xmlns:o="urn:schemas-microsoft-com:office:office" xmlns:v="urn:schemas-microsoft-com:vml" xmlns:pvml="urn:schemas-microsoft-com:office:powerpoint" xmlns:com="http://schemas.openxmlformats.org/drawingml/2006/compatibility" xmlns:p14="http://schemas.microsoft.com/office/powerpoint/2010/main" xmlns:p15="http://schemas.microsoft.com/office/powerpoint/2012/main">
+  <p:cSld>
+    <p:spTree>
+      <p:nvGrpSpPr>
+        <p:cNvPr id="171" name="Shape 171"/>
+        <p:cNvGrpSpPr/>
+        <p:nvPr/>
+      </p:nvGrpSpPr>
+      <p:grpSpPr>
+        <a:xfrm>
+          <a:off x="0" y="0"/>
+          <a:ext cx="0" cy="0"/>
+          <a:chOff x="0" y="0"/>
+          <a:chExt cx="0" cy="0"/>
+        </a:xfrm>
+      </p:grpSpPr>
+      <p:sp>
+        <p:nvSpPr>
+          <p:cNvPr id="172" name="Google Shape;172;p18"/>
+          <p:cNvSpPr txBox="1"/>
+          <p:nvPr>
+            <p:ph type="title"/>
+          </p:nvPr>
+        </p:nvSpPr>
+        <p:spPr>
+          <a:xfrm>
+            <a:off x="1052550" y="422500"/>
+            <a:ext cx="7038900" cy="914100"/>
+          </a:xfrm>
+          <a:prstGeom prst="rect">
+            <a:avLst/>
+          </a:prstGeom>
+        </p:spPr>
+        <p:txBody>
+          <a:bodyPr anchorCtr="0" anchor="t" bIns="91425" lIns="91425" spcFirstLastPara="1" rIns="91425" wrap="square" tIns="91425">
+            <a:noAutofit/>
+          </a:bodyPr>
+          <a:lstStyle/>
+          <a:p>
+            <a:pPr indent="0" lvl="0" marL="0" rtl="0" algn="l">
+              <a:spcBef>
+                <a:spcPts val="0"/>
+              </a:spcBef>
+              <a:spcAft>
+                <a:spcPts val="0"/>
+              </a:spcAft>
+              <a:buNone/>
+            </a:pPr>
+            <a:r>
+              <a:rPr lang="en"/>
+              <a:t>Massmine/Query Stuff</a:t>
+            </a:r>
+            <a:endParaRPr/>
+          </a:p>
+        </p:txBody>
+      </p:sp>
+      <p:sp>
+        <p:nvSpPr>
+          <p:cNvPr id="173" name="Google Shape;173;p18"/>
+          <p:cNvSpPr txBox="1"/>
+          <p:nvPr>
+            <p:ph idx="1" type="body"/>
+          </p:nvPr>
+        </p:nvSpPr>
+        <p:spPr>
+          <a:xfrm>
+            <a:off x="1297500" y="1567550"/>
+            <a:ext cx="7038900" cy="2911200"/>
+          </a:xfrm>
+          <a:prstGeom prst="rect">
+            <a:avLst/>
+          </a:prstGeom>
+        </p:spPr>
+        <p:txBody>
+          <a:bodyPr anchorCtr="0" anchor="t" bIns="91425" lIns="91425" spcFirstLastPara="1" rIns="91425" wrap="square" tIns="91425">
+            <a:noAutofit/>
+          </a:bodyPr>
+          <a:lstStyle/>
+          <a:p>
+            <a:pPr indent="0" lvl="0" marL="0" rtl="0" algn="l">
+              <a:spcBef>
+                <a:spcPts val="0"/>
+              </a:spcBef>
+              <a:spcAft>
+                <a:spcPts val="1600"/>
+              </a:spcAft>
+              <a:buNone/>
+            </a:pPr>
+            <a:r>
+              <a:t/>
+            </a:r>
+            <a:endParaRPr/>
+          </a:p>
+        </p:txBody>
+      </p:sp>
+      <p:pic>
+        <p:nvPicPr>
+          <p:cNvPr id="174" name="Google Shape;174;p18"/>
+          <p:cNvPicPr preferRelativeResize="0"/>
+          <p:nvPr/>
+        </p:nvPicPr>
+        <p:blipFill rotWithShape="1">
+          <a:blip r:embed="rId3">
+            <a:alphaModFix/>
+          </a:blip>
+          <a:srcRect b="7074" l="3779" r="1969" t="15267"/>
+          <a:stretch/>
+        </p:blipFill>
+        <p:spPr>
+          <a:xfrm>
+            <a:off x="759875" y="890775"/>
+            <a:ext cx="7624248" cy="3994099"/>
           </a:xfrm>
           <a:prstGeom prst="rect">
             <a:avLst/>
@@ -10936,8 +10814,8 @@
         </p:nvSpPr>
         <p:spPr>
           <a:xfrm>
-            <a:off x="1052550" y="422500"/>
-            <a:ext cx="7038900" cy="914100"/>
+            <a:off x="1297450" y="408200"/>
+            <a:ext cx="2528100" cy="1182900"/>
           </a:xfrm>
           <a:prstGeom prst="rect">
             <a:avLst/>
@@ -10960,46 +10838,7 @@
             </a:pPr>
             <a:r>
               <a:rPr lang="en"/>
-              <a:t>Massmine/Query Stuff</a:t>
-            </a:r>
-            <a:endParaRPr/>
-          </a:p>
-        </p:txBody>
-      </p:sp>
-      <p:sp>
-        <p:nvSpPr>
-          <p:cNvPr id="180" name="Google Shape;180;p19"/>
-          <p:cNvSpPr txBox="1"/>
-          <p:nvPr>
-            <p:ph idx="1" type="body"/>
-          </p:nvPr>
-        </p:nvSpPr>
-        <p:spPr>
-          <a:xfrm>
-            <a:off x="1297500" y="1567550"/>
-            <a:ext cx="7038900" cy="2911200"/>
-          </a:xfrm>
-          <a:prstGeom prst="rect">
-            <a:avLst/>
-          </a:prstGeom>
-        </p:spPr>
-        <p:txBody>
-          <a:bodyPr anchorCtr="0" anchor="t" bIns="91425" lIns="91425" spcFirstLastPara="1" rIns="91425" wrap="square" tIns="91425">
-            <a:noAutofit/>
-          </a:bodyPr>
-          <a:lstStyle/>
-          <a:p>
-            <a:pPr indent="0" lvl="0" marL="0" rtl="0" algn="l">
-              <a:spcBef>
-                <a:spcPts val="0"/>
-              </a:spcBef>
-              <a:spcAft>
-                <a:spcPts val="1600"/>
-              </a:spcAft>
-              <a:buNone/>
-            </a:pPr>
-            <a:r>
-              <a:t/>
+              <a:t>Massmine Integration</a:t>
             </a:r>
             <a:endParaRPr/>
           </a:p>
@@ -11007,21 +10846,22 @@
       </p:sp>
       <p:pic>
         <p:nvPicPr>
-          <p:cNvPr id="181" name="Google Shape;181;p19"/>
+          <p:cNvPr id="180" name="Google Shape;180;p19"/>
           <p:cNvPicPr preferRelativeResize="0"/>
           <p:nvPr/>
         </p:nvPicPr>
-        <p:blipFill rotWithShape="1">
+        <p:blipFill>
           <a:blip r:embed="rId3">
             <a:alphaModFix/>
           </a:blip>
-          <a:srcRect b="7074" l="3779" r="1969" t="15267"/>
-          <a:stretch/>
+          <a:stretch>
+            <a:fillRect/>
+          </a:stretch>
         </p:blipFill>
         <p:spPr>
           <a:xfrm>
-            <a:off x="759875" y="890775"/>
-            <a:ext cx="7624248" cy="3994099"/>
+            <a:off x="3625175" y="317100"/>
+            <a:ext cx="5227951" cy="4509302"/>
           </a:xfrm>
           <a:prstGeom prst="rect">
             <a:avLst/>
@@ -11032,6 +10872,350 @@
           </a:ln>
         </p:spPr>
       </p:pic>
+      <p:sp>
+        <p:nvSpPr>
+          <p:cNvPr id="181" name="Google Shape;181;p19"/>
+          <p:cNvSpPr txBox="1"/>
+          <p:nvPr/>
+        </p:nvSpPr>
+        <p:spPr>
+          <a:xfrm>
+            <a:off x="248950" y="1761050"/>
+            <a:ext cx="3291300" cy="3224400"/>
+          </a:xfrm>
+          <a:prstGeom prst="rect">
+            <a:avLst/>
+          </a:prstGeom>
+          <a:noFill/>
+          <a:ln>
+            <a:noFill/>
+          </a:ln>
+        </p:spPr>
+        <p:txBody>
+          <a:bodyPr anchorCtr="0" anchor="t" bIns="91425" lIns="91425" spcFirstLastPara="1" rIns="91425" wrap="square" tIns="91425">
+            <a:noAutofit/>
+          </a:bodyPr>
+          <a:lstStyle/>
+          <a:p>
+            <a:pPr indent="0" lvl="0" marL="457200" rtl="0" algn="l">
+              <a:lnSpc>
+                <a:spcPct val="150000"/>
+              </a:lnSpc>
+              <a:spcBef>
+                <a:spcPts val="0"/>
+              </a:spcBef>
+              <a:spcAft>
+                <a:spcPts val="0"/>
+              </a:spcAft>
+              <a:buNone/>
+            </a:pPr>
+            <a:r>
+              <a:rPr b="1" lang="en">
+                <a:solidFill>
+                  <a:srgbClr val="FFFFFF"/>
+                </a:solidFill>
+                <a:latin typeface="Lato"/>
+                <a:ea typeface="Lato"/>
+                <a:cs typeface="Lato"/>
+                <a:sym typeface="Lato"/>
+              </a:rPr>
+              <a:t>Current</a:t>
+            </a:r>
+            <a:r>
+              <a:rPr lang="en">
+                <a:solidFill>
+                  <a:srgbClr val="FFFFFF"/>
+                </a:solidFill>
+                <a:latin typeface="Lato"/>
+                <a:ea typeface="Lato"/>
+                <a:cs typeface="Lato"/>
+                <a:sym typeface="Lato"/>
+              </a:rPr>
+              <a:t>:</a:t>
+            </a:r>
+            <a:endParaRPr>
+              <a:solidFill>
+                <a:srgbClr val="FFFFFF"/>
+              </a:solidFill>
+              <a:latin typeface="Lato"/>
+              <a:ea typeface="Lato"/>
+              <a:cs typeface="Lato"/>
+              <a:sym typeface="Lato"/>
+            </a:endParaRPr>
+          </a:p>
+          <a:p>
+            <a:pPr indent="-317500" lvl="0" marL="457200" rtl="0" algn="l">
+              <a:lnSpc>
+                <a:spcPct val="150000"/>
+              </a:lnSpc>
+              <a:spcBef>
+                <a:spcPts val="0"/>
+              </a:spcBef>
+              <a:spcAft>
+                <a:spcPts val="0"/>
+              </a:spcAft>
+              <a:buClr>
+                <a:srgbClr val="FFFFFF"/>
+              </a:buClr>
+              <a:buSzPts val="1400"/>
+              <a:buFont typeface="Lato"/>
+              <a:buChar char="-"/>
+            </a:pPr>
+            <a:r>
+              <a:rPr lang="en">
+                <a:solidFill>
+                  <a:srgbClr val="FFFFFF"/>
+                </a:solidFill>
+                <a:latin typeface="Lato"/>
+                <a:ea typeface="Lato"/>
+                <a:cs typeface="Lato"/>
+                <a:sym typeface="Lato"/>
+              </a:rPr>
+              <a:t>Able to create Massmine query from webpage</a:t>
+            </a:r>
+            <a:endParaRPr>
+              <a:solidFill>
+                <a:srgbClr val="FFFFFF"/>
+              </a:solidFill>
+              <a:latin typeface="Lato"/>
+              <a:ea typeface="Lato"/>
+              <a:cs typeface="Lato"/>
+              <a:sym typeface="Lato"/>
+            </a:endParaRPr>
+          </a:p>
+          <a:p>
+            <a:pPr indent="-317500" lvl="0" marL="457200" rtl="0" algn="l">
+              <a:lnSpc>
+                <a:spcPct val="150000"/>
+              </a:lnSpc>
+              <a:spcBef>
+                <a:spcPts val="0"/>
+              </a:spcBef>
+              <a:spcAft>
+                <a:spcPts val="0"/>
+              </a:spcAft>
+              <a:buClr>
+                <a:srgbClr val="FFFFFF"/>
+              </a:buClr>
+              <a:buSzPts val="1400"/>
+              <a:buFont typeface="Lato"/>
+              <a:buChar char="-"/>
+            </a:pPr>
+            <a:r>
+              <a:rPr lang="en">
+                <a:solidFill>
+                  <a:srgbClr val="FFFFFF"/>
+                </a:solidFill>
+                <a:latin typeface="Lato"/>
+                <a:ea typeface="Lato"/>
+                <a:cs typeface="Lato"/>
+                <a:sym typeface="Lato"/>
+              </a:rPr>
+              <a:t>Still in prototype stage</a:t>
+            </a:r>
+            <a:endParaRPr>
+              <a:solidFill>
+                <a:srgbClr val="FFFFFF"/>
+              </a:solidFill>
+              <a:latin typeface="Lato"/>
+              <a:ea typeface="Lato"/>
+              <a:cs typeface="Lato"/>
+              <a:sym typeface="Lato"/>
+            </a:endParaRPr>
+          </a:p>
+          <a:p>
+            <a:pPr indent="0" lvl="0" marL="0" rtl="0" algn="l">
+              <a:lnSpc>
+                <a:spcPct val="150000"/>
+              </a:lnSpc>
+              <a:spcBef>
+                <a:spcPts val="0"/>
+              </a:spcBef>
+              <a:spcAft>
+                <a:spcPts val="0"/>
+              </a:spcAft>
+              <a:buNone/>
+            </a:pPr>
+            <a:r>
+              <a:t/>
+            </a:r>
+            <a:endParaRPr>
+              <a:solidFill>
+                <a:srgbClr val="FFFFFF"/>
+              </a:solidFill>
+              <a:latin typeface="Lato"/>
+              <a:ea typeface="Lato"/>
+              <a:cs typeface="Lato"/>
+              <a:sym typeface="Lato"/>
+            </a:endParaRPr>
+          </a:p>
+          <a:p>
+            <a:pPr indent="0" lvl="0" marL="0" rtl="0" algn="l">
+              <a:lnSpc>
+                <a:spcPct val="150000"/>
+              </a:lnSpc>
+              <a:spcBef>
+                <a:spcPts val="0"/>
+              </a:spcBef>
+              <a:spcAft>
+                <a:spcPts val="0"/>
+              </a:spcAft>
+              <a:buNone/>
+            </a:pPr>
+            <a:r>
+              <a:rPr lang="en">
+                <a:solidFill>
+                  <a:srgbClr val="FFFFFF"/>
+                </a:solidFill>
+                <a:latin typeface="Lato"/>
+                <a:ea typeface="Lato"/>
+                <a:cs typeface="Lato"/>
+                <a:sym typeface="Lato"/>
+              </a:rPr>
+              <a:t>	</a:t>
+            </a:r>
+            <a:r>
+              <a:rPr b="1" lang="en">
+                <a:solidFill>
+                  <a:srgbClr val="FFFFFF"/>
+                </a:solidFill>
+                <a:latin typeface="Lato"/>
+                <a:ea typeface="Lato"/>
+                <a:cs typeface="Lato"/>
+                <a:sym typeface="Lato"/>
+              </a:rPr>
+              <a:t>TO DO</a:t>
+            </a:r>
+            <a:r>
+              <a:rPr lang="en">
+                <a:solidFill>
+                  <a:srgbClr val="FFFFFF"/>
+                </a:solidFill>
+                <a:latin typeface="Lato"/>
+                <a:ea typeface="Lato"/>
+                <a:cs typeface="Lato"/>
+                <a:sym typeface="Lato"/>
+              </a:rPr>
+              <a:t>:</a:t>
+            </a:r>
+            <a:endParaRPr>
+              <a:solidFill>
+                <a:srgbClr val="FFFFFF"/>
+              </a:solidFill>
+              <a:latin typeface="Lato"/>
+              <a:ea typeface="Lato"/>
+              <a:cs typeface="Lato"/>
+              <a:sym typeface="Lato"/>
+            </a:endParaRPr>
+          </a:p>
+          <a:p>
+            <a:pPr indent="-317500" lvl="0" marL="457200" rtl="0" algn="l">
+              <a:lnSpc>
+                <a:spcPct val="150000"/>
+              </a:lnSpc>
+              <a:spcBef>
+                <a:spcPts val="0"/>
+              </a:spcBef>
+              <a:spcAft>
+                <a:spcPts val="0"/>
+              </a:spcAft>
+              <a:buClr>
+                <a:srgbClr val="FFFFFF"/>
+              </a:buClr>
+              <a:buSzPts val="1400"/>
+              <a:buFont typeface="Lato"/>
+              <a:buChar char="-"/>
+            </a:pPr>
+            <a:r>
+              <a:rPr lang="en">
+                <a:solidFill>
+                  <a:srgbClr val="FFFFFF"/>
+                </a:solidFill>
+                <a:latin typeface="Lato"/>
+                <a:ea typeface="Lato"/>
+                <a:cs typeface="Lato"/>
+                <a:sym typeface="Lato"/>
+              </a:rPr>
+              <a:t>Optimize with Celery</a:t>
+            </a:r>
+            <a:endParaRPr>
+              <a:solidFill>
+                <a:srgbClr val="FFFFFF"/>
+              </a:solidFill>
+              <a:latin typeface="Lato"/>
+              <a:ea typeface="Lato"/>
+              <a:cs typeface="Lato"/>
+              <a:sym typeface="Lato"/>
+            </a:endParaRPr>
+          </a:p>
+          <a:p>
+            <a:pPr indent="-317500" lvl="0" marL="457200" rtl="0" algn="l">
+              <a:lnSpc>
+                <a:spcPct val="150000"/>
+              </a:lnSpc>
+              <a:spcBef>
+                <a:spcPts val="0"/>
+              </a:spcBef>
+              <a:spcAft>
+                <a:spcPts val="0"/>
+              </a:spcAft>
+              <a:buClr>
+                <a:srgbClr val="FFFFFF"/>
+              </a:buClr>
+              <a:buSzPts val="1400"/>
+              <a:buFont typeface="Lato"/>
+              <a:buChar char="-"/>
+            </a:pPr>
+            <a:r>
+              <a:rPr lang="en">
+                <a:solidFill>
+                  <a:srgbClr val="FFFFFF"/>
+                </a:solidFill>
+                <a:latin typeface="Lato"/>
+                <a:ea typeface="Lato"/>
+                <a:cs typeface="Lato"/>
+                <a:sym typeface="Lato"/>
+              </a:rPr>
+              <a:t>Integrate with DB</a:t>
+            </a:r>
+            <a:endParaRPr>
+              <a:solidFill>
+                <a:srgbClr val="FFFFFF"/>
+              </a:solidFill>
+              <a:latin typeface="Lato"/>
+              <a:ea typeface="Lato"/>
+              <a:cs typeface="Lato"/>
+              <a:sym typeface="Lato"/>
+            </a:endParaRPr>
+          </a:p>
+          <a:p>
+            <a:pPr indent="0" lvl="0" marL="0" rtl="0" algn="l">
+              <a:lnSpc>
+                <a:spcPct val="150000"/>
+              </a:lnSpc>
+              <a:spcBef>
+                <a:spcPts val="0"/>
+              </a:spcBef>
+              <a:spcAft>
+                <a:spcPts val="0"/>
+              </a:spcAft>
+              <a:buNone/>
+            </a:pPr>
+            <a:r>
+              <a:t/>
+            </a:r>
+            <a:endParaRPr>
+              <a:solidFill>
+                <a:srgbClr val="FFFFFF"/>
+              </a:solidFill>
+              <a:latin typeface="Lato"/>
+              <a:ea typeface="Lato"/>
+              <a:cs typeface="Lato"/>
+              <a:sym typeface="Lato"/>
+            </a:endParaRPr>
+          </a:p>
+        </p:txBody>
+      </p:sp>
     </p:spTree>
   </p:cSld>
   <p:clrMapOvr>
